--- a/Chapter2/Figures/Fig23.pptx
+++ b/Chapter2/Figures/Fig23.pptx
@@ -288,7 +288,7 @@
           <a:p>
             <a:fld id="{444C6978-4F44-4C94-A3B9-EB9BA28FB04C}" type="datetimeFigureOut">
               <a:rPr lang="en-GB" smtClean="0"/>
-              <a:t>25/06/2014</a:t>
+              <a:t>11/07/2014</a:t>
             </a:fld>
             <a:endParaRPr lang="en-GB"/>
           </a:p>
@@ -458,7 +458,7 @@
           <a:p>
             <a:fld id="{444C6978-4F44-4C94-A3B9-EB9BA28FB04C}" type="datetimeFigureOut">
               <a:rPr lang="en-GB" smtClean="0"/>
-              <a:t>25/06/2014</a:t>
+              <a:t>11/07/2014</a:t>
             </a:fld>
             <a:endParaRPr lang="en-GB"/>
           </a:p>
@@ -638,7 +638,7 @@
           <a:p>
             <a:fld id="{444C6978-4F44-4C94-A3B9-EB9BA28FB04C}" type="datetimeFigureOut">
               <a:rPr lang="en-GB" smtClean="0"/>
-              <a:t>25/06/2014</a:t>
+              <a:t>11/07/2014</a:t>
             </a:fld>
             <a:endParaRPr lang="en-GB"/>
           </a:p>
@@ -808,7 +808,7 @@
           <a:p>
             <a:fld id="{444C6978-4F44-4C94-A3B9-EB9BA28FB04C}" type="datetimeFigureOut">
               <a:rPr lang="en-GB" smtClean="0"/>
-              <a:t>25/06/2014</a:t>
+              <a:t>11/07/2014</a:t>
             </a:fld>
             <a:endParaRPr lang="en-GB"/>
           </a:p>
@@ -1054,7 +1054,7 @@
           <a:p>
             <a:fld id="{444C6978-4F44-4C94-A3B9-EB9BA28FB04C}" type="datetimeFigureOut">
               <a:rPr lang="en-GB" smtClean="0"/>
-              <a:t>25/06/2014</a:t>
+              <a:t>11/07/2014</a:t>
             </a:fld>
             <a:endParaRPr lang="en-GB"/>
           </a:p>
@@ -1342,7 +1342,7 @@
           <a:p>
             <a:fld id="{444C6978-4F44-4C94-A3B9-EB9BA28FB04C}" type="datetimeFigureOut">
               <a:rPr lang="en-GB" smtClean="0"/>
-              <a:t>25/06/2014</a:t>
+              <a:t>11/07/2014</a:t>
             </a:fld>
             <a:endParaRPr lang="en-GB"/>
           </a:p>
@@ -1769,7 +1769,7 @@
           <a:p>
             <a:fld id="{444C6978-4F44-4C94-A3B9-EB9BA28FB04C}" type="datetimeFigureOut">
               <a:rPr lang="en-GB" smtClean="0"/>
-              <a:t>25/06/2014</a:t>
+              <a:t>11/07/2014</a:t>
             </a:fld>
             <a:endParaRPr lang="en-GB"/>
           </a:p>
@@ -1887,7 +1887,7 @@
           <a:p>
             <a:fld id="{444C6978-4F44-4C94-A3B9-EB9BA28FB04C}" type="datetimeFigureOut">
               <a:rPr lang="en-GB" smtClean="0"/>
-              <a:t>25/06/2014</a:t>
+              <a:t>11/07/2014</a:t>
             </a:fld>
             <a:endParaRPr lang="en-GB"/>
           </a:p>
@@ -1982,7 +1982,7 @@
           <a:p>
             <a:fld id="{444C6978-4F44-4C94-A3B9-EB9BA28FB04C}" type="datetimeFigureOut">
               <a:rPr lang="en-GB" smtClean="0"/>
-              <a:t>25/06/2014</a:t>
+              <a:t>11/07/2014</a:t>
             </a:fld>
             <a:endParaRPr lang="en-GB"/>
           </a:p>
@@ -2259,7 +2259,7 @@
           <a:p>
             <a:fld id="{444C6978-4F44-4C94-A3B9-EB9BA28FB04C}" type="datetimeFigureOut">
               <a:rPr lang="en-GB" smtClean="0"/>
-              <a:t>25/06/2014</a:t>
+              <a:t>11/07/2014</a:t>
             </a:fld>
             <a:endParaRPr lang="en-GB"/>
           </a:p>
@@ -2512,7 +2512,7 @@
           <a:p>
             <a:fld id="{444C6978-4F44-4C94-A3B9-EB9BA28FB04C}" type="datetimeFigureOut">
               <a:rPr lang="en-GB" smtClean="0"/>
-              <a:t>25/06/2014</a:t>
+              <a:t>11/07/2014</a:t>
             </a:fld>
             <a:endParaRPr lang="en-GB"/>
           </a:p>
@@ -2725,7 +2725,7 @@
           <a:p>
             <a:fld id="{444C6978-4F44-4C94-A3B9-EB9BA28FB04C}" type="datetimeFigureOut">
               <a:rPr lang="en-GB" smtClean="0"/>
-              <a:t>25/06/2014</a:t>
+              <a:t>11/07/2014</a:t>
             </a:fld>
             <a:endParaRPr lang="en-GB"/>
           </a:p>
@@ -3123,7 +3123,7 @@
         </p:blipFill>
         <p:spPr bwMode="auto">
           <a:xfrm>
-            <a:off x="23854" y="855662"/>
+            <a:off x="4307780" y="794693"/>
             <a:ext cx="4152900" cy="3133725"/>
           </a:xfrm>
           <a:prstGeom prst="rect">
@@ -3164,7 +3164,7 @@
         </p:blipFill>
         <p:spPr bwMode="auto">
           <a:xfrm>
-            <a:off x="4176754" y="0"/>
+            <a:off x="8314" y="15875"/>
             <a:ext cx="4154487" cy="4845050"/>
           </a:xfrm>
           <a:prstGeom prst="rect">
@@ -3190,7 +3190,7 @@
         </p:nvSpPr>
         <p:spPr>
           <a:xfrm>
-            <a:off x="-56268" y="587869"/>
+            <a:off x="-71328" y="-71346"/>
             <a:ext cx="564422" cy="477054"/>
           </a:xfrm>
           <a:prstGeom prst="rect">
@@ -3220,7 +3220,7 @@
         </p:nvSpPr>
         <p:spPr>
           <a:xfrm>
-            <a:off x="3845090" y="-4314"/>
+            <a:off x="4320651" y="556166"/>
             <a:ext cx="564422" cy="477054"/>
           </a:xfrm>
           <a:prstGeom prst="rect">

--- a/Chapter2/Figures/Fig23.pptx
+++ b/Chapter2/Figures/Fig23.pptx
@@ -7,14 +7,14 @@
   <p:sldIdLst>
     <p:sldId id="256" r:id="rId2"/>
   </p:sldIdLst>
-  <p:sldSz cx="8280400" cy="4860925"/>
+  <p:sldSz cx="4321175" cy="8101013"/>
   <p:notesSz cx="6858000" cy="9144000"/>
   <p:defaultTextStyle>
     <a:defPPr>
       <a:defRPr lang="en-US"/>
     </a:defPPr>
-    <a:lvl1pPr marL="0" algn="l" defTabSz="761013" rtl="0" eaLnBrk="1" latinLnBrk="0" hangingPunct="1">
-      <a:defRPr sz="1600" kern="1200">
+    <a:lvl1pPr marL="0" algn="l" defTabSz="474659" rtl="0" eaLnBrk="1" latinLnBrk="0" hangingPunct="1">
+      <a:defRPr sz="1000" kern="1200">
         <a:solidFill>
           <a:schemeClr val="tx1"/>
         </a:solidFill>
@@ -23,8 +23,8 @@
         <a:cs typeface="+mn-cs"/>
       </a:defRPr>
     </a:lvl1pPr>
-    <a:lvl2pPr marL="380505" algn="l" defTabSz="761013" rtl="0" eaLnBrk="1" latinLnBrk="0" hangingPunct="1">
-      <a:defRPr sz="1600" kern="1200">
+    <a:lvl2pPr marL="237328" algn="l" defTabSz="474659" rtl="0" eaLnBrk="1" latinLnBrk="0" hangingPunct="1">
+      <a:defRPr sz="1000" kern="1200">
         <a:solidFill>
           <a:schemeClr val="tx1"/>
         </a:solidFill>
@@ -33,8 +33,8 @@
         <a:cs typeface="+mn-cs"/>
       </a:defRPr>
     </a:lvl2pPr>
-    <a:lvl3pPr marL="761013" algn="l" defTabSz="761013" rtl="0" eaLnBrk="1" latinLnBrk="0" hangingPunct="1">
-      <a:defRPr sz="1600" kern="1200">
+    <a:lvl3pPr marL="474659" algn="l" defTabSz="474659" rtl="0" eaLnBrk="1" latinLnBrk="0" hangingPunct="1">
+      <a:defRPr sz="1000" kern="1200">
         <a:solidFill>
           <a:schemeClr val="tx1"/>
         </a:solidFill>
@@ -43,8 +43,8 @@
         <a:cs typeface="+mn-cs"/>
       </a:defRPr>
     </a:lvl3pPr>
-    <a:lvl4pPr marL="1141521" algn="l" defTabSz="761013" rtl="0" eaLnBrk="1" latinLnBrk="0" hangingPunct="1">
-      <a:defRPr sz="1600" kern="1200">
+    <a:lvl4pPr marL="711988" algn="l" defTabSz="474659" rtl="0" eaLnBrk="1" latinLnBrk="0" hangingPunct="1">
+      <a:defRPr sz="1000" kern="1200">
         <a:solidFill>
           <a:schemeClr val="tx1"/>
         </a:solidFill>
@@ -53,8 +53,8 @@
         <a:cs typeface="+mn-cs"/>
       </a:defRPr>
     </a:lvl4pPr>
-    <a:lvl5pPr marL="1522026" algn="l" defTabSz="761013" rtl="0" eaLnBrk="1" latinLnBrk="0" hangingPunct="1">
-      <a:defRPr sz="1600" kern="1200">
+    <a:lvl5pPr marL="949317" algn="l" defTabSz="474659" rtl="0" eaLnBrk="1" latinLnBrk="0" hangingPunct="1">
+      <a:defRPr sz="1000" kern="1200">
         <a:solidFill>
           <a:schemeClr val="tx1"/>
         </a:solidFill>
@@ -63,8 +63,8 @@
         <a:cs typeface="+mn-cs"/>
       </a:defRPr>
     </a:lvl5pPr>
-    <a:lvl6pPr marL="1902532" algn="l" defTabSz="761013" rtl="0" eaLnBrk="1" latinLnBrk="0" hangingPunct="1">
-      <a:defRPr sz="1600" kern="1200">
+    <a:lvl6pPr marL="1186646" algn="l" defTabSz="474659" rtl="0" eaLnBrk="1" latinLnBrk="0" hangingPunct="1">
+      <a:defRPr sz="1000" kern="1200">
         <a:solidFill>
           <a:schemeClr val="tx1"/>
         </a:solidFill>
@@ -73,8 +73,8 @@
         <a:cs typeface="+mn-cs"/>
       </a:defRPr>
     </a:lvl6pPr>
-    <a:lvl7pPr marL="2283039" algn="l" defTabSz="761013" rtl="0" eaLnBrk="1" latinLnBrk="0" hangingPunct="1">
-      <a:defRPr sz="1600" kern="1200">
+    <a:lvl7pPr marL="1423976" algn="l" defTabSz="474659" rtl="0" eaLnBrk="1" latinLnBrk="0" hangingPunct="1">
+      <a:defRPr sz="1000" kern="1200">
         <a:solidFill>
           <a:schemeClr val="tx1"/>
         </a:solidFill>
@@ -83,8 +83,8 @@
         <a:cs typeface="+mn-cs"/>
       </a:defRPr>
     </a:lvl7pPr>
-    <a:lvl8pPr marL="2663547" algn="l" defTabSz="761013" rtl="0" eaLnBrk="1" latinLnBrk="0" hangingPunct="1">
-      <a:defRPr sz="1600" kern="1200">
+    <a:lvl8pPr marL="1661306" algn="l" defTabSz="474659" rtl="0" eaLnBrk="1" latinLnBrk="0" hangingPunct="1">
+      <a:defRPr sz="1000" kern="1200">
         <a:solidFill>
           <a:schemeClr val="tx1"/>
         </a:solidFill>
@@ -93,8 +93,8 @@
         <a:cs typeface="+mn-cs"/>
       </a:defRPr>
     </a:lvl8pPr>
-    <a:lvl9pPr marL="3044052" algn="l" defTabSz="761013" rtl="0" eaLnBrk="1" latinLnBrk="0" hangingPunct="1">
-      <a:defRPr sz="1600" kern="1200">
+    <a:lvl9pPr marL="1898635" algn="l" defTabSz="474659" rtl="0" eaLnBrk="1" latinLnBrk="0" hangingPunct="1">
+      <a:defRPr sz="1000" kern="1200">
         <a:solidFill>
           <a:schemeClr val="tx1"/>
         </a:solidFill>
@@ -136,8 +136,8 @@
         </p:nvSpPr>
         <p:spPr>
           <a:xfrm>
-            <a:off x="621038" y="1510039"/>
-            <a:ext cx="7038340" cy="1041948"/>
+            <a:off x="324094" y="2516569"/>
+            <a:ext cx="3672999" cy="1736467"/>
           </a:xfrm>
         </p:spPr>
         <p:txBody>
@@ -164,8 +164,8 @@
         </p:nvSpPr>
         <p:spPr>
           <a:xfrm>
-            <a:off x="1242060" y="2754525"/>
-            <a:ext cx="5796280" cy="1242237"/>
+            <a:off x="648178" y="4590578"/>
+            <a:ext cx="3024823" cy="2070260"/>
           </a:xfrm>
         </p:spPr>
         <p:txBody>
@@ -181,7 +181,7 @@
                 </a:solidFill>
               </a:defRPr>
             </a:lvl1pPr>
-            <a:lvl2pPr marL="380505" indent="0" algn="ctr">
+            <a:lvl2pPr marL="237328" indent="0" algn="ctr">
               <a:buNone/>
               <a:defRPr>
                 <a:solidFill>
@@ -191,7 +191,7 @@
                 </a:solidFill>
               </a:defRPr>
             </a:lvl2pPr>
-            <a:lvl3pPr marL="761013" indent="0" algn="ctr">
+            <a:lvl3pPr marL="474659" indent="0" algn="ctr">
               <a:buNone/>
               <a:defRPr>
                 <a:solidFill>
@@ -201,7 +201,7 @@
                 </a:solidFill>
               </a:defRPr>
             </a:lvl3pPr>
-            <a:lvl4pPr marL="1141521" indent="0" algn="ctr">
+            <a:lvl4pPr marL="711988" indent="0" algn="ctr">
               <a:buNone/>
               <a:defRPr>
                 <a:solidFill>
@@ -211,7 +211,7 @@
                 </a:solidFill>
               </a:defRPr>
             </a:lvl4pPr>
-            <a:lvl5pPr marL="1522026" indent="0" algn="ctr">
+            <a:lvl5pPr marL="949317" indent="0" algn="ctr">
               <a:buNone/>
               <a:defRPr>
                 <a:solidFill>
@@ -221,7 +221,7 @@
                 </a:solidFill>
               </a:defRPr>
             </a:lvl5pPr>
-            <a:lvl6pPr marL="1902532" indent="0" algn="ctr">
+            <a:lvl6pPr marL="1186646" indent="0" algn="ctr">
               <a:buNone/>
               <a:defRPr>
                 <a:solidFill>
@@ -231,7 +231,7 @@
                 </a:solidFill>
               </a:defRPr>
             </a:lvl6pPr>
-            <a:lvl7pPr marL="2283039" indent="0" algn="ctr">
+            <a:lvl7pPr marL="1423976" indent="0" algn="ctr">
               <a:buNone/>
               <a:defRPr>
                 <a:solidFill>
@@ -241,7 +241,7 @@
                 </a:solidFill>
               </a:defRPr>
             </a:lvl7pPr>
-            <a:lvl8pPr marL="2663547" indent="0" algn="ctr">
+            <a:lvl8pPr marL="1661306" indent="0" algn="ctr">
               <a:buNone/>
               <a:defRPr>
                 <a:solidFill>
@@ -251,7 +251,7 @@
                 </a:solidFill>
               </a:defRPr>
             </a:lvl8pPr>
-            <a:lvl9pPr marL="3044052" indent="0" algn="ctr">
+            <a:lvl9pPr marL="1898635" indent="0" algn="ctr">
               <a:buNone/>
               <a:defRPr>
                 <a:solidFill>
@@ -288,7 +288,7 @@
           <a:p>
             <a:fld id="{444C6978-4F44-4C94-A3B9-EB9BA28FB04C}" type="datetimeFigureOut">
               <a:rPr lang="en-GB" smtClean="0"/>
-              <a:t>11/07/2014</a:t>
+              <a:t>01/09/2014</a:t>
             </a:fld>
             <a:endParaRPr lang="en-GB"/>
           </a:p>
@@ -458,7 +458,7 @@
           <a:p>
             <a:fld id="{444C6978-4F44-4C94-A3B9-EB9BA28FB04C}" type="datetimeFigureOut">
               <a:rPr lang="en-GB" smtClean="0"/>
-              <a:t>11/07/2014</a:t>
+              <a:t>01/09/2014</a:t>
             </a:fld>
             <a:endParaRPr lang="en-GB"/>
           </a:p>
@@ -548,8 +548,8 @@
         </p:nvSpPr>
         <p:spPr>
           <a:xfrm>
-            <a:off x="5674089" y="153031"/>
-            <a:ext cx="1759587" cy="3266497"/>
+            <a:off x="2961058" y="255039"/>
+            <a:ext cx="918251" cy="5443806"/>
           </a:xfrm>
         </p:spPr>
         <p:txBody>
@@ -576,8 +576,8 @@
         </p:nvSpPr>
         <p:spPr>
           <a:xfrm>
-            <a:off x="391017" y="153031"/>
-            <a:ext cx="5145063" cy="3266497"/>
+            <a:off x="204057" y="255039"/>
+            <a:ext cx="2684981" cy="5443806"/>
           </a:xfrm>
         </p:spPr>
         <p:txBody>
@@ -638,7 +638,7 @@
           <a:p>
             <a:fld id="{444C6978-4F44-4C94-A3B9-EB9BA28FB04C}" type="datetimeFigureOut">
               <a:rPr lang="en-GB" smtClean="0"/>
-              <a:t>11/07/2014</a:t>
+              <a:t>01/09/2014</a:t>
             </a:fld>
             <a:endParaRPr lang="en-GB"/>
           </a:p>
@@ -808,7 +808,7 @@
           <a:p>
             <a:fld id="{444C6978-4F44-4C94-A3B9-EB9BA28FB04C}" type="datetimeFigureOut">
               <a:rPr lang="en-GB" smtClean="0"/>
-              <a:t>11/07/2014</a:t>
+              <a:t>01/09/2014</a:t>
             </a:fld>
             <a:endParaRPr lang="en-GB"/>
           </a:p>
@@ -898,15 +898,15 @@
         </p:nvSpPr>
         <p:spPr>
           <a:xfrm>
-            <a:off x="654099" y="3123594"/>
-            <a:ext cx="7038340" cy="965434"/>
+            <a:off x="341346" y="5205652"/>
+            <a:ext cx="3672999" cy="1608951"/>
           </a:xfrm>
         </p:spPr>
         <p:txBody>
           <a:bodyPr anchor="t"/>
           <a:lstStyle>
             <a:lvl1pPr algn="l">
-              <a:defRPr sz="3200" b="1" cap="all"/>
+              <a:defRPr sz="2000" b="1" cap="all"/>
             </a:lvl1pPr>
           </a:lstStyle>
           <a:p>
@@ -930,8 +930,8 @@
         </p:nvSpPr>
         <p:spPr>
           <a:xfrm>
-            <a:off x="654099" y="2060269"/>
-            <a:ext cx="7038340" cy="1063326"/>
+            <a:off x="341346" y="3433559"/>
+            <a:ext cx="3672999" cy="1772094"/>
           </a:xfrm>
         </p:spPr>
         <p:txBody>
@@ -939,7 +939,7 @@
           <a:lstStyle>
             <a:lvl1pPr marL="0" indent="0">
               <a:buNone/>
-              <a:defRPr sz="1600">
+              <a:defRPr sz="1000">
                 <a:solidFill>
                   <a:schemeClr val="tx1">
                     <a:tint val="75000"/>
@@ -947,9 +947,9 @@
                 </a:solidFill>
               </a:defRPr>
             </a:lvl1pPr>
-            <a:lvl2pPr marL="380505" indent="0">
-              <a:buNone/>
-              <a:defRPr sz="1600">
+            <a:lvl2pPr marL="237328" indent="0">
+              <a:buNone/>
+              <a:defRPr sz="1000">
                 <a:solidFill>
                   <a:schemeClr val="tx1">
                     <a:tint val="75000"/>
@@ -957,9 +957,9 @@
                 </a:solidFill>
               </a:defRPr>
             </a:lvl2pPr>
-            <a:lvl3pPr marL="761013" indent="0">
-              <a:buNone/>
-              <a:defRPr sz="1400">
+            <a:lvl3pPr marL="474659" indent="0">
+              <a:buNone/>
+              <a:defRPr sz="900">
                 <a:solidFill>
                   <a:schemeClr val="tx1">
                     <a:tint val="75000"/>
@@ -967,9 +967,9 @@
                 </a:solidFill>
               </a:defRPr>
             </a:lvl3pPr>
-            <a:lvl4pPr marL="1141521" indent="0">
-              <a:buNone/>
-              <a:defRPr sz="1100">
+            <a:lvl4pPr marL="711988" indent="0">
+              <a:buNone/>
+              <a:defRPr sz="700">
                 <a:solidFill>
                   <a:schemeClr val="tx1">
                     <a:tint val="75000"/>
@@ -977,9 +977,9 @@
                 </a:solidFill>
               </a:defRPr>
             </a:lvl4pPr>
-            <a:lvl5pPr marL="1522026" indent="0">
-              <a:buNone/>
-              <a:defRPr sz="1100">
+            <a:lvl5pPr marL="949317" indent="0">
+              <a:buNone/>
+              <a:defRPr sz="700">
                 <a:solidFill>
                   <a:schemeClr val="tx1">
                     <a:tint val="75000"/>
@@ -987,9 +987,9 @@
                 </a:solidFill>
               </a:defRPr>
             </a:lvl5pPr>
-            <a:lvl6pPr marL="1902532" indent="0">
-              <a:buNone/>
-              <a:defRPr sz="1100">
+            <a:lvl6pPr marL="1186646" indent="0">
+              <a:buNone/>
+              <a:defRPr sz="700">
                 <a:solidFill>
                   <a:schemeClr val="tx1">
                     <a:tint val="75000"/>
@@ -997,9 +997,9 @@
                 </a:solidFill>
               </a:defRPr>
             </a:lvl6pPr>
-            <a:lvl7pPr marL="2283039" indent="0">
-              <a:buNone/>
-              <a:defRPr sz="1100">
+            <a:lvl7pPr marL="1423976" indent="0">
+              <a:buNone/>
+              <a:defRPr sz="700">
                 <a:solidFill>
                   <a:schemeClr val="tx1">
                     <a:tint val="75000"/>
@@ -1007,9 +1007,9 @@
                 </a:solidFill>
               </a:defRPr>
             </a:lvl7pPr>
-            <a:lvl8pPr marL="2663547" indent="0">
-              <a:buNone/>
-              <a:defRPr sz="1100">
+            <a:lvl8pPr marL="1661306" indent="0">
+              <a:buNone/>
+              <a:defRPr sz="700">
                 <a:solidFill>
                   <a:schemeClr val="tx1">
                     <a:tint val="75000"/>
@@ -1017,9 +1017,9 @@
                 </a:solidFill>
               </a:defRPr>
             </a:lvl8pPr>
-            <a:lvl9pPr marL="3044052" indent="0">
-              <a:buNone/>
-              <a:defRPr sz="1100">
+            <a:lvl9pPr marL="1898635" indent="0">
+              <a:buNone/>
+              <a:defRPr sz="700">
                 <a:solidFill>
                   <a:schemeClr val="tx1">
                     <a:tint val="75000"/>
@@ -1054,7 +1054,7 @@
           <a:p>
             <a:fld id="{444C6978-4F44-4C94-A3B9-EB9BA28FB04C}" type="datetimeFigureOut">
               <a:rPr lang="en-GB" smtClean="0"/>
-              <a:t>11/07/2014</a:t>
+              <a:t>01/09/2014</a:t>
             </a:fld>
             <a:endParaRPr lang="en-GB"/>
           </a:p>
@@ -1167,39 +1167,39 @@
         </p:nvSpPr>
         <p:spPr>
           <a:xfrm>
-            <a:off x="391029" y="893421"/>
-            <a:ext cx="3451603" cy="2526106"/>
+            <a:off x="204063" y="1488939"/>
+            <a:ext cx="1801239" cy="4209902"/>
           </a:xfrm>
         </p:spPr>
         <p:txBody>
           <a:bodyPr/>
           <a:lstStyle>
             <a:lvl1pPr>
-              <a:defRPr sz="2300"/>
+              <a:defRPr sz="1400"/>
             </a:lvl1pPr>
             <a:lvl2pPr>
-              <a:defRPr sz="2100"/>
+              <a:defRPr sz="1300"/>
             </a:lvl2pPr>
             <a:lvl3pPr>
-              <a:defRPr sz="1600"/>
+              <a:defRPr sz="1000"/>
             </a:lvl3pPr>
             <a:lvl4pPr>
-              <a:defRPr sz="1600"/>
+              <a:defRPr sz="1000"/>
             </a:lvl4pPr>
             <a:lvl5pPr>
-              <a:defRPr sz="1600"/>
+              <a:defRPr sz="1000"/>
             </a:lvl5pPr>
             <a:lvl6pPr>
-              <a:defRPr sz="1600"/>
+              <a:defRPr sz="1000"/>
             </a:lvl6pPr>
             <a:lvl7pPr>
-              <a:defRPr sz="1600"/>
+              <a:defRPr sz="1000"/>
             </a:lvl7pPr>
             <a:lvl8pPr>
-              <a:defRPr sz="1600"/>
+              <a:defRPr sz="1000"/>
             </a:lvl8pPr>
             <a:lvl9pPr>
-              <a:defRPr sz="1600"/>
+              <a:defRPr sz="1000"/>
             </a:lvl9pPr>
           </a:lstStyle>
           <a:p>
@@ -1252,39 +1252,39 @@
         </p:nvSpPr>
         <p:spPr>
           <a:xfrm>
-            <a:off x="3980637" y="893421"/>
-            <a:ext cx="3453038" cy="2526106"/>
+            <a:off x="2077319" y="1488939"/>
+            <a:ext cx="1801988" cy="4209902"/>
           </a:xfrm>
         </p:spPr>
         <p:txBody>
           <a:bodyPr/>
           <a:lstStyle>
             <a:lvl1pPr>
-              <a:defRPr sz="2300"/>
+              <a:defRPr sz="1400"/>
             </a:lvl1pPr>
             <a:lvl2pPr>
-              <a:defRPr sz="2100"/>
+              <a:defRPr sz="1300"/>
             </a:lvl2pPr>
             <a:lvl3pPr>
-              <a:defRPr sz="1600"/>
+              <a:defRPr sz="1000"/>
             </a:lvl3pPr>
             <a:lvl4pPr>
-              <a:defRPr sz="1600"/>
+              <a:defRPr sz="1000"/>
             </a:lvl4pPr>
             <a:lvl5pPr>
-              <a:defRPr sz="1600"/>
+              <a:defRPr sz="1000"/>
             </a:lvl5pPr>
             <a:lvl6pPr>
-              <a:defRPr sz="1600"/>
+              <a:defRPr sz="1000"/>
             </a:lvl6pPr>
             <a:lvl7pPr>
-              <a:defRPr sz="1600"/>
+              <a:defRPr sz="1000"/>
             </a:lvl7pPr>
             <a:lvl8pPr>
-              <a:defRPr sz="1600"/>
+              <a:defRPr sz="1000"/>
             </a:lvl8pPr>
             <a:lvl9pPr>
-              <a:defRPr sz="1600"/>
+              <a:defRPr sz="1000"/>
             </a:lvl9pPr>
           </a:lstStyle>
           <a:p>
@@ -1342,7 +1342,7 @@
           <a:p>
             <a:fld id="{444C6978-4F44-4C94-A3B9-EB9BA28FB04C}" type="datetimeFigureOut">
               <a:rPr lang="en-GB" smtClean="0"/>
-              <a:t>11/07/2014</a:t>
+              <a:t>01/09/2014</a:t>
             </a:fld>
             <a:endParaRPr lang="en-GB"/>
           </a:p>
@@ -1432,8 +1432,8 @@
         </p:nvSpPr>
         <p:spPr>
           <a:xfrm>
-            <a:off x="414020" y="194663"/>
-            <a:ext cx="7452360" cy="810155"/>
+            <a:off x="216059" y="324419"/>
+            <a:ext cx="3889058" cy="1350170"/>
           </a:xfrm>
         </p:spPr>
         <p:txBody>
@@ -1464,8 +1464,8 @@
         </p:nvSpPr>
         <p:spPr>
           <a:xfrm>
-            <a:off x="414025" y="1088083"/>
-            <a:ext cx="3658617" cy="453462"/>
+            <a:off x="216063" y="1813353"/>
+            <a:ext cx="1909271" cy="755722"/>
           </a:xfrm>
         </p:spPr>
         <p:txBody>
@@ -1473,39 +1473,39 @@
           <a:lstStyle>
             <a:lvl1pPr marL="0" indent="0">
               <a:buNone/>
-              <a:defRPr sz="2100" b="1"/>
+              <a:defRPr sz="1300" b="1"/>
             </a:lvl1pPr>
-            <a:lvl2pPr marL="380505" indent="0">
-              <a:buNone/>
-              <a:defRPr sz="1600" b="1"/>
+            <a:lvl2pPr marL="237328" indent="0">
+              <a:buNone/>
+              <a:defRPr sz="1000" b="1"/>
             </a:lvl2pPr>
-            <a:lvl3pPr marL="761013" indent="0">
-              <a:buNone/>
-              <a:defRPr sz="1600" b="1"/>
+            <a:lvl3pPr marL="474659" indent="0">
+              <a:buNone/>
+              <a:defRPr sz="1000" b="1"/>
             </a:lvl3pPr>
-            <a:lvl4pPr marL="1141521" indent="0">
-              <a:buNone/>
-              <a:defRPr sz="1400" b="1"/>
+            <a:lvl4pPr marL="711988" indent="0">
+              <a:buNone/>
+              <a:defRPr sz="900" b="1"/>
             </a:lvl4pPr>
-            <a:lvl5pPr marL="1522026" indent="0">
-              <a:buNone/>
-              <a:defRPr sz="1400" b="1"/>
+            <a:lvl5pPr marL="949317" indent="0">
+              <a:buNone/>
+              <a:defRPr sz="900" b="1"/>
             </a:lvl5pPr>
-            <a:lvl6pPr marL="1902532" indent="0">
-              <a:buNone/>
-              <a:defRPr sz="1400" b="1"/>
+            <a:lvl6pPr marL="1186646" indent="0">
+              <a:buNone/>
+              <a:defRPr sz="900" b="1"/>
             </a:lvl6pPr>
-            <a:lvl7pPr marL="2283039" indent="0">
-              <a:buNone/>
-              <a:defRPr sz="1400" b="1"/>
+            <a:lvl7pPr marL="1423976" indent="0">
+              <a:buNone/>
+              <a:defRPr sz="900" b="1"/>
             </a:lvl7pPr>
-            <a:lvl8pPr marL="2663547" indent="0">
-              <a:buNone/>
-              <a:defRPr sz="1400" b="1"/>
+            <a:lvl8pPr marL="1661306" indent="0">
+              <a:buNone/>
+              <a:defRPr sz="900" b="1"/>
             </a:lvl8pPr>
-            <a:lvl9pPr marL="3044052" indent="0">
-              <a:buNone/>
-              <a:defRPr sz="1400" b="1"/>
+            <a:lvl9pPr marL="1898635" indent="0">
+              <a:buNone/>
+              <a:defRPr sz="900" b="1"/>
             </a:lvl9pPr>
           </a:lstStyle>
           <a:p>
@@ -1529,39 +1529,39 @@
         </p:nvSpPr>
         <p:spPr>
           <a:xfrm>
-            <a:off x="414025" y="1541544"/>
-            <a:ext cx="3658617" cy="2800658"/>
+            <a:off x="216063" y="2569074"/>
+            <a:ext cx="1909271" cy="4667459"/>
           </a:xfrm>
         </p:spPr>
         <p:txBody>
           <a:bodyPr/>
           <a:lstStyle>
             <a:lvl1pPr>
-              <a:defRPr sz="2100"/>
+              <a:defRPr sz="1300"/>
             </a:lvl1pPr>
             <a:lvl2pPr>
-              <a:defRPr sz="1600"/>
+              <a:defRPr sz="1000"/>
             </a:lvl2pPr>
             <a:lvl3pPr>
-              <a:defRPr sz="1600"/>
+              <a:defRPr sz="1000"/>
             </a:lvl3pPr>
             <a:lvl4pPr>
-              <a:defRPr sz="1400"/>
+              <a:defRPr sz="900"/>
             </a:lvl4pPr>
             <a:lvl5pPr>
-              <a:defRPr sz="1400"/>
+              <a:defRPr sz="900"/>
             </a:lvl5pPr>
             <a:lvl6pPr>
-              <a:defRPr sz="1400"/>
+              <a:defRPr sz="900"/>
             </a:lvl6pPr>
             <a:lvl7pPr>
-              <a:defRPr sz="1400"/>
+              <a:defRPr sz="900"/>
             </a:lvl7pPr>
             <a:lvl8pPr>
-              <a:defRPr sz="1400"/>
+              <a:defRPr sz="900"/>
             </a:lvl8pPr>
             <a:lvl9pPr>
-              <a:defRPr sz="1400"/>
+              <a:defRPr sz="900"/>
             </a:lvl9pPr>
           </a:lstStyle>
           <a:p>
@@ -1614,8 +1614,8 @@
         </p:nvSpPr>
         <p:spPr>
           <a:xfrm>
-            <a:off x="4206329" y="1088083"/>
-            <a:ext cx="3660052" cy="453462"/>
+            <a:off x="2195100" y="1813353"/>
+            <a:ext cx="1910019" cy="755722"/>
           </a:xfrm>
         </p:spPr>
         <p:txBody>
@@ -1623,39 +1623,39 @@
           <a:lstStyle>
             <a:lvl1pPr marL="0" indent="0">
               <a:buNone/>
-              <a:defRPr sz="2100" b="1"/>
+              <a:defRPr sz="1300" b="1"/>
             </a:lvl1pPr>
-            <a:lvl2pPr marL="380505" indent="0">
-              <a:buNone/>
-              <a:defRPr sz="1600" b="1"/>
+            <a:lvl2pPr marL="237328" indent="0">
+              <a:buNone/>
+              <a:defRPr sz="1000" b="1"/>
             </a:lvl2pPr>
-            <a:lvl3pPr marL="761013" indent="0">
-              <a:buNone/>
-              <a:defRPr sz="1600" b="1"/>
+            <a:lvl3pPr marL="474659" indent="0">
+              <a:buNone/>
+              <a:defRPr sz="1000" b="1"/>
             </a:lvl3pPr>
-            <a:lvl4pPr marL="1141521" indent="0">
-              <a:buNone/>
-              <a:defRPr sz="1400" b="1"/>
+            <a:lvl4pPr marL="711988" indent="0">
+              <a:buNone/>
+              <a:defRPr sz="900" b="1"/>
             </a:lvl4pPr>
-            <a:lvl5pPr marL="1522026" indent="0">
-              <a:buNone/>
-              <a:defRPr sz="1400" b="1"/>
+            <a:lvl5pPr marL="949317" indent="0">
+              <a:buNone/>
+              <a:defRPr sz="900" b="1"/>
             </a:lvl5pPr>
-            <a:lvl6pPr marL="1902532" indent="0">
-              <a:buNone/>
-              <a:defRPr sz="1400" b="1"/>
+            <a:lvl6pPr marL="1186646" indent="0">
+              <a:buNone/>
+              <a:defRPr sz="900" b="1"/>
             </a:lvl6pPr>
-            <a:lvl7pPr marL="2283039" indent="0">
-              <a:buNone/>
-              <a:defRPr sz="1400" b="1"/>
+            <a:lvl7pPr marL="1423976" indent="0">
+              <a:buNone/>
+              <a:defRPr sz="900" b="1"/>
             </a:lvl7pPr>
-            <a:lvl8pPr marL="2663547" indent="0">
-              <a:buNone/>
-              <a:defRPr sz="1400" b="1"/>
+            <a:lvl8pPr marL="1661306" indent="0">
+              <a:buNone/>
+              <a:defRPr sz="900" b="1"/>
             </a:lvl8pPr>
-            <a:lvl9pPr marL="3044052" indent="0">
-              <a:buNone/>
-              <a:defRPr sz="1400" b="1"/>
+            <a:lvl9pPr marL="1898635" indent="0">
+              <a:buNone/>
+              <a:defRPr sz="900" b="1"/>
             </a:lvl9pPr>
           </a:lstStyle>
           <a:p>
@@ -1679,39 +1679,39 @@
         </p:nvSpPr>
         <p:spPr>
           <a:xfrm>
-            <a:off x="4206329" y="1541544"/>
-            <a:ext cx="3660052" cy="2800658"/>
+            <a:off x="2195100" y="2569074"/>
+            <a:ext cx="1910019" cy="4667459"/>
           </a:xfrm>
         </p:spPr>
         <p:txBody>
           <a:bodyPr/>
           <a:lstStyle>
             <a:lvl1pPr>
-              <a:defRPr sz="2100"/>
+              <a:defRPr sz="1300"/>
             </a:lvl1pPr>
             <a:lvl2pPr>
-              <a:defRPr sz="1600"/>
+              <a:defRPr sz="1000"/>
             </a:lvl2pPr>
             <a:lvl3pPr>
-              <a:defRPr sz="1600"/>
+              <a:defRPr sz="1000"/>
             </a:lvl3pPr>
             <a:lvl4pPr>
-              <a:defRPr sz="1400"/>
+              <a:defRPr sz="900"/>
             </a:lvl4pPr>
             <a:lvl5pPr>
-              <a:defRPr sz="1400"/>
+              <a:defRPr sz="900"/>
             </a:lvl5pPr>
             <a:lvl6pPr>
-              <a:defRPr sz="1400"/>
+              <a:defRPr sz="900"/>
             </a:lvl6pPr>
             <a:lvl7pPr>
-              <a:defRPr sz="1400"/>
+              <a:defRPr sz="900"/>
             </a:lvl7pPr>
             <a:lvl8pPr>
-              <a:defRPr sz="1400"/>
+              <a:defRPr sz="900"/>
             </a:lvl8pPr>
             <a:lvl9pPr>
-              <a:defRPr sz="1400"/>
+              <a:defRPr sz="900"/>
             </a:lvl9pPr>
           </a:lstStyle>
           <a:p>
@@ -1769,7 +1769,7 @@
           <a:p>
             <a:fld id="{444C6978-4F44-4C94-A3B9-EB9BA28FB04C}" type="datetimeFigureOut">
               <a:rPr lang="en-GB" smtClean="0"/>
-              <a:t>11/07/2014</a:t>
+              <a:t>01/09/2014</a:t>
             </a:fld>
             <a:endParaRPr lang="en-GB"/>
           </a:p>
@@ -1887,7 +1887,7 @@
           <a:p>
             <a:fld id="{444C6978-4F44-4C94-A3B9-EB9BA28FB04C}" type="datetimeFigureOut">
               <a:rPr lang="en-GB" smtClean="0"/>
-              <a:t>11/07/2014</a:t>
+              <a:t>01/09/2014</a:t>
             </a:fld>
             <a:endParaRPr lang="en-GB"/>
           </a:p>
@@ -1982,7 +1982,7 @@
           <a:p>
             <a:fld id="{444C6978-4F44-4C94-A3B9-EB9BA28FB04C}" type="datetimeFigureOut">
               <a:rPr lang="en-GB" smtClean="0"/>
-              <a:t>11/07/2014</a:t>
+              <a:t>01/09/2014</a:t>
             </a:fld>
             <a:endParaRPr lang="en-GB"/>
           </a:p>
@@ -2072,15 +2072,15 @@
         </p:nvSpPr>
         <p:spPr>
           <a:xfrm>
-            <a:off x="414020" y="193538"/>
-            <a:ext cx="2724194" cy="823656"/>
+            <a:off x="216060" y="322544"/>
+            <a:ext cx="1421637" cy="1372670"/>
           </a:xfrm>
         </p:spPr>
         <p:txBody>
           <a:bodyPr anchor="b"/>
           <a:lstStyle>
             <a:lvl1pPr algn="l">
-              <a:defRPr sz="1600" b="1"/>
+              <a:defRPr sz="1000" b="1"/>
             </a:lvl1pPr>
           </a:lstStyle>
           <a:p>
@@ -2104,39 +2104,39 @@
         </p:nvSpPr>
         <p:spPr>
           <a:xfrm>
-            <a:off x="3237407" y="193538"/>
-            <a:ext cx="4628978" cy="4148664"/>
+            <a:off x="1689461" y="322543"/>
+            <a:ext cx="2415659" cy="6913989"/>
           </a:xfrm>
         </p:spPr>
         <p:txBody>
           <a:bodyPr/>
           <a:lstStyle>
             <a:lvl1pPr>
-              <a:defRPr sz="2600"/>
+              <a:defRPr sz="1600"/>
             </a:lvl1pPr>
             <a:lvl2pPr>
-              <a:defRPr sz="2300"/>
+              <a:defRPr sz="1400"/>
             </a:lvl2pPr>
             <a:lvl3pPr>
-              <a:defRPr sz="2100"/>
+              <a:defRPr sz="1300"/>
             </a:lvl3pPr>
             <a:lvl4pPr>
-              <a:defRPr sz="1600"/>
+              <a:defRPr sz="1000"/>
             </a:lvl4pPr>
             <a:lvl5pPr>
-              <a:defRPr sz="1600"/>
+              <a:defRPr sz="1000"/>
             </a:lvl5pPr>
             <a:lvl6pPr>
-              <a:defRPr sz="1600"/>
+              <a:defRPr sz="1000"/>
             </a:lvl6pPr>
             <a:lvl7pPr>
-              <a:defRPr sz="1600"/>
+              <a:defRPr sz="1000"/>
             </a:lvl7pPr>
             <a:lvl8pPr>
-              <a:defRPr sz="1600"/>
+              <a:defRPr sz="1000"/>
             </a:lvl8pPr>
             <a:lvl9pPr>
-              <a:defRPr sz="1600"/>
+              <a:defRPr sz="1000"/>
             </a:lvl9pPr>
           </a:lstStyle>
           <a:p>
@@ -2189,8 +2189,8 @@
         </p:nvSpPr>
         <p:spPr>
           <a:xfrm>
-            <a:off x="414020" y="1017195"/>
-            <a:ext cx="2724194" cy="3325008"/>
+            <a:off x="216060" y="1695215"/>
+            <a:ext cx="1421637" cy="5541318"/>
           </a:xfrm>
         </p:spPr>
         <p:txBody>
@@ -2198,39 +2198,39 @@
           <a:lstStyle>
             <a:lvl1pPr marL="0" indent="0">
               <a:buNone/>
-              <a:defRPr sz="1100"/>
+              <a:defRPr sz="700"/>
             </a:lvl1pPr>
-            <a:lvl2pPr marL="380505" indent="0">
-              <a:buNone/>
-              <a:defRPr sz="1100"/>
+            <a:lvl2pPr marL="237328" indent="0">
+              <a:buNone/>
+              <a:defRPr sz="700"/>
             </a:lvl2pPr>
-            <a:lvl3pPr marL="761013" indent="0">
-              <a:buNone/>
-              <a:defRPr sz="900"/>
+            <a:lvl3pPr marL="474659" indent="0">
+              <a:buNone/>
+              <a:defRPr sz="600"/>
             </a:lvl3pPr>
-            <a:lvl4pPr marL="1141521" indent="0">
-              <a:buNone/>
-              <a:defRPr sz="600"/>
+            <a:lvl4pPr marL="711988" indent="0">
+              <a:buNone/>
+              <a:defRPr sz="400"/>
             </a:lvl4pPr>
-            <a:lvl5pPr marL="1522026" indent="0">
-              <a:buNone/>
-              <a:defRPr sz="600"/>
+            <a:lvl5pPr marL="949317" indent="0">
+              <a:buNone/>
+              <a:defRPr sz="400"/>
             </a:lvl5pPr>
-            <a:lvl6pPr marL="1902532" indent="0">
-              <a:buNone/>
-              <a:defRPr sz="600"/>
+            <a:lvl6pPr marL="1186646" indent="0">
+              <a:buNone/>
+              <a:defRPr sz="400"/>
             </a:lvl6pPr>
-            <a:lvl7pPr marL="2283039" indent="0">
-              <a:buNone/>
-              <a:defRPr sz="600"/>
+            <a:lvl7pPr marL="1423976" indent="0">
+              <a:buNone/>
+              <a:defRPr sz="400"/>
             </a:lvl7pPr>
-            <a:lvl8pPr marL="2663547" indent="0">
-              <a:buNone/>
-              <a:defRPr sz="600"/>
+            <a:lvl8pPr marL="1661306" indent="0">
+              <a:buNone/>
+              <a:defRPr sz="400"/>
             </a:lvl8pPr>
-            <a:lvl9pPr marL="3044052" indent="0">
-              <a:buNone/>
-              <a:defRPr sz="600"/>
+            <a:lvl9pPr marL="1898635" indent="0">
+              <a:buNone/>
+              <a:defRPr sz="400"/>
             </a:lvl9pPr>
           </a:lstStyle>
           <a:p>
@@ -2259,7 +2259,7 @@
           <a:p>
             <a:fld id="{444C6978-4F44-4C94-A3B9-EB9BA28FB04C}" type="datetimeFigureOut">
               <a:rPr lang="en-GB" smtClean="0"/>
-              <a:t>11/07/2014</a:t>
+              <a:t>01/09/2014</a:t>
             </a:fld>
             <a:endParaRPr lang="en-GB"/>
           </a:p>
@@ -2349,15 +2349,15 @@
         </p:nvSpPr>
         <p:spPr>
           <a:xfrm>
-            <a:off x="1623019" y="3402647"/>
-            <a:ext cx="4968240" cy="401702"/>
+            <a:off x="846983" y="5670710"/>
+            <a:ext cx="2592705" cy="669459"/>
           </a:xfrm>
         </p:spPr>
         <p:txBody>
           <a:bodyPr anchor="b"/>
           <a:lstStyle>
             <a:lvl1pPr algn="l">
-              <a:defRPr sz="1600" b="1"/>
+              <a:defRPr sz="1000" b="1"/>
             </a:lvl1pPr>
           </a:lstStyle>
           <a:p>
@@ -2381,8 +2381,8 @@
         </p:nvSpPr>
         <p:spPr>
           <a:xfrm>
-            <a:off x="1623019" y="434332"/>
-            <a:ext cx="4968240" cy="2916555"/>
+            <a:off x="846983" y="723840"/>
+            <a:ext cx="2592705" cy="4860608"/>
           </a:xfrm>
         </p:spPr>
         <p:txBody>
@@ -2390,39 +2390,39 @@
           <a:lstStyle>
             <a:lvl1pPr marL="0" indent="0">
               <a:buNone/>
-              <a:defRPr sz="2600"/>
+              <a:defRPr sz="1600"/>
             </a:lvl1pPr>
-            <a:lvl2pPr marL="380505" indent="0">
-              <a:buNone/>
-              <a:defRPr sz="2300"/>
+            <a:lvl2pPr marL="237328" indent="0">
+              <a:buNone/>
+              <a:defRPr sz="1400"/>
             </a:lvl2pPr>
-            <a:lvl3pPr marL="761013" indent="0">
-              <a:buNone/>
-              <a:defRPr sz="2100"/>
+            <a:lvl3pPr marL="474659" indent="0">
+              <a:buNone/>
+              <a:defRPr sz="1300"/>
             </a:lvl3pPr>
-            <a:lvl4pPr marL="1141521" indent="0">
-              <a:buNone/>
-              <a:defRPr sz="1600"/>
+            <a:lvl4pPr marL="711988" indent="0">
+              <a:buNone/>
+              <a:defRPr sz="1000"/>
             </a:lvl4pPr>
-            <a:lvl5pPr marL="1522026" indent="0">
-              <a:buNone/>
-              <a:defRPr sz="1600"/>
+            <a:lvl5pPr marL="949317" indent="0">
+              <a:buNone/>
+              <a:defRPr sz="1000"/>
             </a:lvl5pPr>
-            <a:lvl6pPr marL="1902532" indent="0">
-              <a:buNone/>
-              <a:defRPr sz="1600"/>
+            <a:lvl6pPr marL="1186646" indent="0">
+              <a:buNone/>
+              <a:defRPr sz="1000"/>
             </a:lvl6pPr>
-            <a:lvl7pPr marL="2283039" indent="0">
-              <a:buNone/>
-              <a:defRPr sz="1600"/>
+            <a:lvl7pPr marL="1423976" indent="0">
+              <a:buNone/>
+              <a:defRPr sz="1000"/>
             </a:lvl7pPr>
-            <a:lvl8pPr marL="2663547" indent="0">
-              <a:buNone/>
-              <a:defRPr sz="1600"/>
+            <a:lvl8pPr marL="1661306" indent="0">
+              <a:buNone/>
+              <a:defRPr sz="1000"/>
             </a:lvl8pPr>
-            <a:lvl9pPr marL="3044052" indent="0">
-              <a:buNone/>
-              <a:defRPr sz="1600"/>
+            <a:lvl9pPr marL="1898635" indent="0">
+              <a:buNone/>
+              <a:defRPr sz="1000"/>
             </a:lvl9pPr>
           </a:lstStyle>
           <a:p>
@@ -2442,8 +2442,8 @@
         </p:nvSpPr>
         <p:spPr>
           <a:xfrm>
-            <a:off x="1623019" y="3804352"/>
-            <a:ext cx="4968240" cy="570483"/>
+            <a:off x="846983" y="6340174"/>
+            <a:ext cx="2592705" cy="950743"/>
           </a:xfrm>
         </p:spPr>
         <p:txBody>
@@ -2451,39 +2451,39 @@
           <a:lstStyle>
             <a:lvl1pPr marL="0" indent="0">
               <a:buNone/>
-              <a:defRPr sz="1100"/>
+              <a:defRPr sz="700"/>
             </a:lvl1pPr>
-            <a:lvl2pPr marL="380505" indent="0">
-              <a:buNone/>
-              <a:defRPr sz="1100"/>
+            <a:lvl2pPr marL="237328" indent="0">
+              <a:buNone/>
+              <a:defRPr sz="700"/>
             </a:lvl2pPr>
-            <a:lvl3pPr marL="761013" indent="0">
-              <a:buNone/>
-              <a:defRPr sz="900"/>
+            <a:lvl3pPr marL="474659" indent="0">
+              <a:buNone/>
+              <a:defRPr sz="600"/>
             </a:lvl3pPr>
-            <a:lvl4pPr marL="1141521" indent="0">
-              <a:buNone/>
-              <a:defRPr sz="600"/>
+            <a:lvl4pPr marL="711988" indent="0">
+              <a:buNone/>
+              <a:defRPr sz="400"/>
             </a:lvl4pPr>
-            <a:lvl5pPr marL="1522026" indent="0">
-              <a:buNone/>
-              <a:defRPr sz="600"/>
+            <a:lvl5pPr marL="949317" indent="0">
+              <a:buNone/>
+              <a:defRPr sz="400"/>
             </a:lvl5pPr>
-            <a:lvl6pPr marL="1902532" indent="0">
-              <a:buNone/>
-              <a:defRPr sz="600"/>
+            <a:lvl6pPr marL="1186646" indent="0">
+              <a:buNone/>
+              <a:defRPr sz="400"/>
             </a:lvl6pPr>
-            <a:lvl7pPr marL="2283039" indent="0">
-              <a:buNone/>
-              <a:defRPr sz="600"/>
+            <a:lvl7pPr marL="1423976" indent="0">
+              <a:buNone/>
+              <a:defRPr sz="400"/>
             </a:lvl7pPr>
-            <a:lvl8pPr marL="2663547" indent="0">
-              <a:buNone/>
-              <a:defRPr sz="600"/>
+            <a:lvl8pPr marL="1661306" indent="0">
+              <a:buNone/>
+              <a:defRPr sz="400"/>
             </a:lvl8pPr>
-            <a:lvl9pPr marL="3044052" indent="0">
-              <a:buNone/>
-              <a:defRPr sz="600"/>
+            <a:lvl9pPr marL="1898635" indent="0">
+              <a:buNone/>
+              <a:defRPr sz="400"/>
             </a:lvl9pPr>
           </a:lstStyle>
           <a:p>
@@ -2512,7 +2512,7 @@
           <a:p>
             <a:fld id="{444C6978-4F44-4C94-A3B9-EB9BA28FB04C}" type="datetimeFigureOut">
               <a:rPr lang="en-GB" smtClean="0"/>
-              <a:t>11/07/2014</a:t>
+              <a:t>01/09/2014</a:t>
             </a:fld>
             <a:endParaRPr lang="en-GB"/>
           </a:p>
@@ -2607,15 +2607,15 @@
         </p:nvSpPr>
         <p:spPr>
           <a:xfrm>
-            <a:off x="414020" y="194663"/>
-            <a:ext cx="7452360" cy="810155"/>
+            <a:off x="216059" y="324419"/>
+            <a:ext cx="3889058" cy="1350170"/>
           </a:xfrm>
           <a:prstGeom prst="rect">
             <a:avLst/>
           </a:prstGeom>
         </p:spPr>
         <p:txBody>
-          <a:bodyPr vert="horz" lIns="76102" tIns="38051" rIns="76102" bIns="38051" rtlCol="0" anchor="ctr">
+          <a:bodyPr vert="horz" lIns="47466" tIns="23733" rIns="47466" bIns="23733" rtlCol="0" anchor="ctr">
             <a:normAutofit/>
           </a:bodyPr>
           <a:lstStyle/>
@@ -2640,15 +2640,15 @@
         </p:nvSpPr>
         <p:spPr>
           <a:xfrm>
-            <a:off x="414020" y="1134218"/>
-            <a:ext cx="7452360" cy="3207986"/>
+            <a:off x="216059" y="1890242"/>
+            <a:ext cx="3889058" cy="5346294"/>
           </a:xfrm>
           <a:prstGeom prst="rect">
             <a:avLst/>
           </a:prstGeom>
         </p:spPr>
         <p:txBody>
-          <a:bodyPr vert="horz" lIns="76102" tIns="38051" rIns="76102" bIns="38051" rtlCol="0">
+          <a:bodyPr vert="horz" lIns="47466" tIns="23733" rIns="47466" bIns="23733" rtlCol="0">
             <a:normAutofit/>
           </a:bodyPr>
           <a:lstStyle/>
@@ -2702,18 +2702,18 @@
         </p:nvSpPr>
         <p:spPr>
           <a:xfrm>
-            <a:off x="414024" y="4505359"/>
-            <a:ext cx="1932090" cy="258799"/>
+            <a:off x="216062" y="7508444"/>
+            <a:ext cx="1008272" cy="431304"/>
           </a:xfrm>
           <a:prstGeom prst="rect">
             <a:avLst/>
           </a:prstGeom>
         </p:spPr>
         <p:txBody>
-          <a:bodyPr vert="horz" lIns="76102" tIns="38051" rIns="76102" bIns="38051" rtlCol="0" anchor="ctr"/>
+          <a:bodyPr vert="horz" lIns="47466" tIns="23733" rIns="47466" bIns="23733" rtlCol="0" anchor="ctr"/>
           <a:lstStyle>
             <a:lvl1pPr algn="l">
-              <a:defRPr sz="1100">
+              <a:defRPr sz="700">
                 <a:solidFill>
                   <a:schemeClr val="tx1">
                     <a:tint val="75000"/>
@@ -2725,7 +2725,7 @@
           <a:p>
             <a:fld id="{444C6978-4F44-4C94-A3B9-EB9BA28FB04C}" type="datetimeFigureOut">
               <a:rPr lang="en-GB" smtClean="0"/>
-              <a:t>11/07/2014</a:t>
+              <a:t>01/09/2014</a:t>
             </a:fld>
             <a:endParaRPr lang="en-GB"/>
           </a:p>
@@ -2743,18 +2743,18 @@
         </p:nvSpPr>
         <p:spPr>
           <a:xfrm>
-            <a:off x="2829137" y="4505359"/>
-            <a:ext cx="2622129" cy="258799"/>
+            <a:off x="1476405" y="7508444"/>
+            <a:ext cx="1368373" cy="431304"/>
           </a:xfrm>
           <a:prstGeom prst="rect">
             <a:avLst/>
           </a:prstGeom>
         </p:spPr>
         <p:txBody>
-          <a:bodyPr vert="horz" lIns="76102" tIns="38051" rIns="76102" bIns="38051" rtlCol="0" anchor="ctr"/>
+          <a:bodyPr vert="horz" lIns="47466" tIns="23733" rIns="47466" bIns="23733" rtlCol="0" anchor="ctr"/>
           <a:lstStyle>
             <a:lvl1pPr algn="ctr">
-              <a:defRPr sz="1100">
+              <a:defRPr sz="700">
                 <a:solidFill>
                   <a:schemeClr val="tx1">
                     <a:tint val="75000"/>
@@ -2780,18 +2780,18 @@
         </p:nvSpPr>
         <p:spPr>
           <a:xfrm>
-            <a:off x="5934294" y="4505359"/>
-            <a:ext cx="1932090" cy="258799"/>
+            <a:off x="3096847" y="7508444"/>
+            <a:ext cx="1008272" cy="431304"/>
           </a:xfrm>
           <a:prstGeom prst="rect">
             <a:avLst/>
           </a:prstGeom>
         </p:spPr>
         <p:txBody>
-          <a:bodyPr vert="horz" lIns="76102" tIns="38051" rIns="76102" bIns="38051" rtlCol="0" anchor="ctr"/>
+          <a:bodyPr vert="horz" lIns="47466" tIns="23733" rIns="47466" bIns="23733" rtlCol="0" anchor="ctr"/>
           <a:lstStyle>
             <a:lvl1pPr algn="r">
-              <a:defRPr sz="1100">
+              <a:defRPr sz="700">
                 <a:solidFill>
                   <a:schemeClr val="tx1">
                     <a:tint val="75000"/>
@@ -2832,12 +2832,12 @@
   </p:sldLayoutIdLst>
   <p:txStyles>
     <p:titleStyle>
-      <a:lvl1pPr algn="ctr" defTabSz="761013" rtl="0" eaLnBrk="1" latinLnBrk="0" hangingPunct="1">
+      <a:lvl1pPr algn="ctr" defTabSz="474659" rtl="0" eaLnBrk="1" latinLnBrk="0" hangingPunct="1">
         <a:spcBef>
           <a:spcPct val="0"/>
         </a:spcBef>
         <a:buNone/>
-        <a:defRPr sz="3700" kern="1200">
+        <a:defRPr sz="2300" kern="1200">
           <a:solidFill>
             <a:schemeClr val="tx1"/>
           </a:solidFill>
@@ -2848,82 +2848,7 @@
       </a:lvl1pPr>
     </p:titleStyle>
     <p:bodyStyle>
-      <a:lvl1pPr marL="285380" indent="-285380" algn="l" defTabSz="761013" rtl="0" eaLnBrk="1" latinLnBrk="0" hangingPunct="1">
-        <a:spcBef>
-          <a:spcPct val="20000"/>
-        </a:spcBef>
-        <a:buFont typeface="Arial" panose="020B0604020202020204" pitchFamily="34" charset="0"/>
-        <a:buChar char="•"/>
-        <a:defRPr sz="2600" kern="1200">
-          <a:solidFill>
-            <a:schemeClr val="tx1"/>
-          </a:solidFill>
-          <a:latin typeface="+mn-lt"/>
-          <a:ea typeface="+mn-ea"/>
-          <a:cs typeface="+mn-cs"/>
-        </a:defRPr>
-      </a:lvl1pPr>
-      <a:lvl2pPr marL="618321" indent="-237816" algn="l" defTabSz="761013" rtl="0" eaLnBrk="1" latinLnBrk="0" hangingPunct="1">
-        <a:spcBef>
-          <a:spcPct val="20000"/>
-        </a:spcBef>
-        <a:buFont typeface="Arial" panose="020B0604020202020204" pitchFamily="34" charset="0"/>
-        <a:buChar char="–"/>
-        <a:defRPr sz="2300" kern="1200">
-          <a:solidFill>
-            <a:schemeClr val="tx1"/>
-          </a:solidFill>
-          <a:latin typeface="+mn-lt"/>
-          <a:ea typeface="+mn-ea"/>
-          <a:cs typeface="+mn-cs"/>
-        </a:defRPr>
-      </a:lvl2pPr>
-      <a:lvl3pPr marL="951266" indent="-190252" algn="l" defTabSz="761013" rtl="0" eaLnBrk="1" latinLnBrk="0" hangingPunct="1">
-        <a:spcBef>
-          <a:spcPct val="20000"/>
-        </a:spcBef>
-        <a:buFont typeface="Arial" panose="020B0604020202020204" pitchFamily="34" charset="0"/>
-        <a:buChar char="•"/>
-        <a:defRPr sz="2100" kern="1200">
-          <a:solidFill>
-            <a:schemeClr val="tx1"/>
-          </a:solidFill>
-          <a:latin typeface="+mn-lt"/>
-          <a:ea typeface="+mn-ea"/>
-          <a:cs typeface="+mn-cs"/>
-        </a:defRPr>
-      </a:lvl3pPr>
-      <a:lvl4pPr marL="1331773" indent="-190252" algn="l" defTabSz="761013" rtl="0" eaLnBrk="1" latinLnBrk="0" hangingPunct="1">
-        <a:spcBef>
-          <a:spcPct val="20000"/>
-        </a:spcBef>
-        <a:buFont typeface="Arial" panose="020B0604020202020204" pitchFamily="34" charset="0"/>
-        <a:buChar char="–"/>
-        <a:defRPr sz="1600" kern="1200">
-          <a:solidFill>
-            <a:schemeClr val="tx1"/>
-          </a:solidFill>
-          <a:latin typeface="+mn-lt"/>
-          <a:ea typeface="+mn-ea"/>
-          <a:cs typeface="+mn-cs"/>
-        </a:defRPr>
-      </a:lvl4pPr>
-      <a:lvl5pPr marL="1712279" indent="-190252" algn="l" defTabSz="761013" rtl="0" eaLnBrk="1" latinLnBrk="0" hangingPunct="1">
-        <a:spcBef>
-          <a:spcPct val="20000"/>
-        </a:spcBef>
-        <a:buFont typeface="Arial" panose="020B0604020202020204" pitchFamily="34" charset="0"/>
-        <a:buChar char="»"/>
-        <a:defRPr sz="1600" kern="1200">
-          <a:solidFill>
-            <a:schemeClr val="tx1"/>
-          </a:solidFill>
-          <a:latin typeface="+mn-lt"/>
-          <a:ea typeface="+mn-ea"/>
-          <a:cs typeface="+mn-cs"/>
-        </a:defRPr>
-      </a:lvl5pPr>
-      <a:lvl6pPr marL="2092786" indent="-190252" algn="l" defTabSz="761013" rtl="0" eaLnBrk="1" latinLnBrk="0" hangingPunct="1">
+      <a:lvl1pPr marL="177997" indent="-177997" algn="l" defTabSz="474659" rtl="0" eaLnBrk="1" latinLnBrk="0" hangingPunct="1">
         <a:spcBef>
           <a:spcPct val="20000"/>
         </a:spcBef>
@@ -2937,14 +2862,89 @@
           <a:ea typeface="+mn-ea"/>
           <a:cs typeface="+mn-cs"/>
         </a:defRPr>
-      </a:lvl6pPr>
-      <a:lvl7pPr marL="2473291" indent="-190252" algn="l" defTabSz="761013" rtl="0" eaLnBrk="1" latinLnBrk="0" hangingPunct="1">
+      </a:lvl1pPr>
+      <a:lvl2pPr marL="385658" indent="-148331" algn="l" defTabSz="474659" rtl="0" eaLnBrk="1" latinLnBrk="0" hangingPunct="1">
+        <a:spcBef>
+          <a:spcPct val="20000"/>
+        </a:spcBef>
+        <a:buFont typeface="Arial" panose="020B0604020202020204" pitchFamily="34" charset="0"/>
+        <a:buChar char="–"/>
+        <a:defRPr sz="1400" kern="1200">
+          <a:solidFill>
+            <a:schemeClr val="tx1"/>
+          </a:solidFill>
+          <a:latin typeface="+mn-lt"/>
+          <a:ea typeface="+mn-ea"/>
+          <a:cs typeface="+mn-cs"/>
+        </a:defRPr>
+      </a:lvl2pPr>
+      <a:lvl3pPr marL="593323" indent="-118663" algn="l" defTabSz="474659" rtl="0" eaLnBrk="1" latinLnBrk="0" hangingPunct="1">
         <a:spcBef>
           <a:spcPct val="20000"/>
         </a:spcBef>
         <a:buFont typeface="Arial" panose="020B0604020202020204" pitchFamily="34" charset="0"/>
         <a:buChar char="•"/>
-        <a:defRPr sz="1600" kern="1200">
+        <a:defRPr sz="1300" kern="1200">
+          <a:solidFill>
+            <a:schemeClr val="tx1"/>
+          </a:solidFill>
+          <a:latin typeface="+mn-lt"/>
+          <a:ea typeface="+mn-ea"/>
+          <a:cs typeface="+mn-cs"/>
+        </a:defRPr>
+      </a:lvl3pPr>
+      <a:lvl4pPr marL="830653" indent="-118663" algn="l" defTabSz="474659" rtl="0" eaLnBrk="1" latinLnBrk="0" hangingPunct="1">
+        <a:spcBef>
+          <a:spcPct val="20000"/>
+        </a:spcBef>
+        <a:buFont typeface="Arial" panose="020B0604020202020204" pitchFamily="34" charset="0"/>
+        <a:buChar char="–"/>
+        <a:defRPr sz="1000" kern="1200">
+          <a:solidFill>
+            <a:schemeClr val="tx1"/>
+          </a:solidFill>
+          <a:latin typeface="+mn-lt"/>
+          <a:ea typeface="+mn-ea"/>
+          <a:cs typeface="+mn-cs"/>
+        </a:defRPr>
+      </a:lvl4pPr>
+      <a:lvl5pPr marL="1067982" indent="-118663" algn="l" defTabSz="474659" rtl="0" eaLnBrk="1" latinLnBrk="0" hangingPunct="1">
+        <a:spcBef>
+          <a:spcPct val="20000"/>
+        </a:spcBef>
+        <a:buFont typeface="Arial" panose="020B0604020202020204" pitchFamily="34" charset="0"/>
+        <a:buChar char="»"/>
+        <a:defRPr sz="1000" kern="1200">
+          <a:solidFill>
+            <a:schemeClr val="tx1"/>
+          </a:solidFill>
+          <a:latin typeface="+mn-lt"/>
+          <a:ea typeface="+mn-ea"/>
+          <a:cs typeface="+mn-cs"/>
+        </a:defRPr>
+      </a:lvl5pPr>
+      <a:lvl6pPr marL="1305312" indent="-118663" algn="l" defTabSz="474659" rtl="0" eaLnBrk="1" latinLnBrk="0" hangingPunct="1">
+        <a:spcBef>
+          <a:spcPct val="20000"/>
+        </a:spcBef>
+        <a:buFont typeface="Arial" panose="020B0604020202020204" pitchFamily="34" charset="0"/>
+        <a:buChar char="•"/>
+        <a:defRPr sz="1000" kern="1200">
+          <a:solidFill>
+            <a:schemeClr val="tx1"/>
+          </a:solidFill>
+          <a:latin typeface="+mn-lt"/>
+          <a:ea typeface="+mn-ea"/>
+          <a:cs typeface="+mn-cs"/>
+        </a:defRPr>
+      </a:lvl6pPr>
+      <a:lvl7pPr marL="1542639" indent="-118663" algn="l" defTabSz="474659" rtl="0" eaLnBrk="1" latinLnBrk="0" hangingPunct="1">
+        <a:spcBef>
+          <a:spcPct val="20000"/>
+        </a:spcBef>
+        <a:buFont typeface="Arial" panose="020B0604020202020204" pitchFamily="34" charset="0"/>
+        <a:buChar char="•"/>
+        <a:defRPr sz="1000" kern="1200">
           <a:solidFill>
             <a:schemeClr val="tx1"/>
           </a:solidFill>
@@ -2953,13 +2953,13 @@
           <a:cs typeface="+mn-cs"/>
         </a:defRPr>
       </a:lvl7pPr>
-      <a:lvl8pPr marL="2853800" indent="-190252" algn="l" defTabSz="761013" rtl="0" eaLnBrk="1" latinLnBrk="0" hangingPunct="1">
+      <a:lvl8pPr marL="1779970" indent="-118663" algn="l" defTabSz="474659" rtl="0" eaLnBrk="1" latinLnBrk="0" hangingPunct="1">
         <a:spcBef>
           <a:spcPct val="20000"/>
         </a:spcBef>
         <a:buFont typeface="Arial" panose="020B0604020202020204" pitchFamily="34" charset="0"/>
         <a:buChar char="•"/>
-        <a:defRPr sz="1600" kern="1200">
+        <a:defRPr sz="1000" kern="1200">
           <a:solidFill>
             <a:schemeClr val="tx1"/>
           </a:solidFill>
@@ -2968,13 +2968,13 @@
           <a:cs typeface="+mn-cs"/>
         </a:defRPr>
       </a:lvl8pPr>
-      <a:lvl9pPr marL="3234305" indent="-190252" algn="l" defTabSz="761013" rtl="0" eaLnBrk="1" latinLnBrk="0" hangingPunct="1">
+      <a:lvl9pPr marL="2017299" indent="-118663" algn="l" defTabSz="474659" rtl="0" eaLnBrk="1" latinLnBrk="0" hangingPunct="1">
         <a:spcBef>
           <a:spcPct val="20000"/>
         </a:spcBef>
         <a:buFont typeface="Arial" panose="020B0604020202020204" pitchFamily="34" charset="0"/>
         <a:buChar char="•"/>
-        <a:defRPr sz="1600" kern="1200">
+        <a:defRPr sz="1000" kern="1200">
           <a:solidFill>
             <a:schemeClr val="tx1"/>
           </a:solidFill>
@@ -2988,8 +2988,8 @@
       <a:defPPr>
         <a:defRPr lang="en-US"/>
       </a:defPPr>
-      <a:lvl1pPr marL="0" algn="l" defTabSz="761013" rtl="0" eaLnBrk="1" latinLnBrk="0" hangingPunct="1">
-        <a:defRPr sz="1600" kern="1200">
+      <a:lvl1pPr marL="0" algn="l" defTabSz="474659" rtl="0" eaLnBrk="1" latinLnBrk="0" hangingPunct="1">
+        <a:defRPr sz="1000" kern="1200">
           <a:solidFill>
             <a:schemeClr val="tx1"/>
           </a:solidFill>
@@ -2998,8 +2998,8 @@
           <a:cs typeface="+mn-cs"/>
         </a:defRPr>
       </a:lvl1pPr>
-      <a:lvl2pPr marL="380505" algn="l" defTabSz="761013" rtl="0" eaLnBrk="1" latinLnBrk="0" hangingPunct="1">
-        <a:defRPr sz="1600" kern="1200">
+      <a:lvl2pPr marL="237328" algn="l" defTabSz="474659" rtl="0" eaLnBrk="1" latinLnBrk="0" hangingPunct="1">
+        <a:defRPr sz="1000" kern="1200">
           <a:solidFill>
             <a:schemeClr val="tx1"/>
           </a:solidFill>
@@ -3008,8 +3008,8 @@
           <a:cs typeface="+mn-cs"/>
         </a:defRPr>
       </a:lvl2pPr>
-      <a:lvl3pPr marL="761013" algn="l" defTabSz="761013" rtl="0" eaLnBrk="1" latinLnBrk="0" hangingPunct="1">
-        <a:defRPr sz="1600" kern="1200">
+      <a:lvl3pPr marL="474659" algn="l" defTabSz="474659" rtl="0" eaLnBrk="1" latinLnBrk="0" hangingPunct="1">
+        <a:defRPr sz="1000" kern="1200">
           <a:solidFill>
             <a:schemeClr val="tx1"/>
           </a:solidFill>
@@ -3018,8 +3018,8 @@
           <a:cs typeface="+mn-cs"/>
         </a:defRPr>
       </a:lvl3pPr>
-      <a:lvl4pPr marL="1141521" algn="l" defTabSz="761013" rtl="0" eaLnBrk="1" latinLnBrk="0" hangingPunct="1">
-        <a:defRPr sz="1600" kern="1200">
+      <a:lvl4pPr marL="711988" algn="l" defTabSz="474659" rtl="0" eaLnBrk="1" latinLnBrk="0" hangingPunct="1">
+        <a:defRPr sz="1000" kern="1200">
           <a:solidFill>
             <a:schemeClr val="tx1"/>
           </a:solidFill>
@@ -3028,8 +3028,8 @@
           <a:cs typeface="+mn-cs"/>
         </a:defRPr>
       </a:lvl4pPr>
-      <a:lvl5pPr marL="1522026" algn="l" defTabSz="761013" rtl="0" eaLnBrk="1" latinLnBrk="0" hangingPunct="1">
-        <a:defRPr sz="1600" kern="1200">
+      <a:lvl5pPr marL="949317" algn="l" defTabSz="474659" rtl="0" eaLnBrk="1" latinLnBrk="0" hangingPunct="1">
+        <a:defRPr sz="1000" kern="1200">
           <a:solidFill>
             <a:schemeClr val="tx1"/>
           </a:solidFill>
@@ -3038,8 +3038,8 @@
           <a:cs typeface="+mn-cs"/>
         </a:defRPr>
       </a:lvl5pPr>
-      <a:lvl6pPr marL="1902532" algn="l" defTabSz="761013" rtl="0" eaLnBrk="1" latinLnBrk="0" hangingPunct="1">
-        <a:defRPr sz="1600" kern="1200">
+      <a:lvl6pPr marL="1186646" algn="l" defTabSz="474659" rtl="0" eaLnBrk="1" latinLnBrk="0" hangingPunct="1">
+        <a:defRPr sz="1000" kern="1200">
           <a:solidFill>
             <a:schemeClr val="tx1"/>
           </a:solidFill>
@@ -3048,8 +3048,8 @@
           <a:cs typeface="+mn-cs"/>
         </a:defRPr>
       </a:lvl6pPr>
-      <a:lvl7pPr marL="2283039" algn="l" defTabSz="761013" rtl="0" eaLnBrk="1" latinLnBrk="0" hangingPunct="1">
-        <a:defRPr sz="1600" kern="1200">
+      <a:lvl7pPr marL="1423976" algn="l" defTabSz="474659" rtl="0" eaLnBrk="1" latinLnBrk="0" hangingPunct="1">
+        <a:defRPr sz="1000" kern="1200">
           <a:solidFill>
             <a:schemeClr val="tx1"/>
           </a:solidFill>
@@ -3058,8 +3058,8 @@
           <a:cs typeface="+mn-cs"/>
         </a:defRPr>
       </a:lvl7pPr>
-      <a:lvl8pPr marL="2663547" algn="l" defTabSz="761013" rtl="0" eaLnBrk="1" latinLnBrk="0" hangingPunct="1">
-        <a:defRPr sz="1600" kern="1200">
+      <a:lvl8pPr marL="1661306" algn="l" defTabSz="474659" rtl="0" eaLnBrk="1" latinLnBrk="0" hangingPunct="1">
+        <a:defRPr sz="1000" kern="1200">
           <a:solidFill>
             <a:schemeClr val="tx1"/>
           </a:solidFill>
@@ -3068,8 +3068,8 @@
           <a:cs typeface="+mn-cs"/>
         </a:defRPr>
       </a:lvl8pPr>
-      <a:lvl9pPr marL="3044052" algn="l" defTabSz="761013" rtl="0" eaLnBrk="1" latinLnBrk="0" hangingPunct="1">
-        <a:defRPr sz="1600" kern="1200">
+      <a:lvl9pPr marL="1898635" algn="l" defTabSz="474659" rtl="0" eaLnBrk="1" latinLnBrk="0" hangingPunct="1">
+        <a:defRPr sz="1000" kern="1200">
           <a:solidFill>
             <a:schemeClr val="tx1"/>
           </a:solidFill>
@@ -3102,7 +3102,7 @@
       </p:grpSpPr>
       <p:pic>
         <p:nvPicPr>
-          <p:cNvPr id="24" name="Picture 2" descr="C:\Users\Wendy\Documents\wwn20\Lit review\Figures\hattori1996-1.jpg"/>
+          <p:cNvPr id="22" name="Picture 2" descr="C:\Users\Wendy\Documents\wwn20\Lit review\Figures\hattori1996-1.jpg"/>
           <p:cNvPicPr>
             <a:picLocks noChangeAspect="1" noChangeArrowheads="1"/>
           </p:cNvPicPr>
@@ -3123,8 +3123,8 @@
         </p:blipFill>
         <p:spPr bwMode="auto">
           <a:xfrm>
-            <a:off x="4307780" y="794693"/>
-            <a:ext cx="4152900" cy="3133725"/>
+            <a:off x="99121" y="5184651"/>
+            <a:ext cx="3866619" cy="2917701"/>
           </a:xfrm>
           <a:prstGeom prst="rect">
             <a:avLst/>
@@ -3143,7 +3143,7 @@
       </p:pic>
       <p:pic>
         <p:nvPicPr>
-          <p:cNvPr id="25" name="Picture 3" descr="C:\Users\Wendy\Documents\wwn20\Lit review\Figures\hattori1996-2.jpg"/>
+          <p:cNvPr id="23" name="Picture 3" descr="C:\Users\Wendy\Documents\wwn20\Lit review\Figures\hattori1996-2.jpg"/>
           <p:cNvPicPr>
             <a:picLocks noChangeAspect="1" noChangeArrowheads="1"/>
           </p:cNvPicPr>
@@ -3164,8 +3164,8 @@
         </p:blipFill>
         <p:spPr bwMode="auto">
           <a:xfrm>
-            <a:off x="8314" y="15875"/>
-            <a:ext cx="4154487" cy="4845050"/>
+            <a:off x="-54032" y="-4908"/>
+            <a:ext cx="4419918" cy="5154601"/>
           </a:xfrm>
           <a:prstGeom prst="rect">
             <a:avLst/>
@@ -3184,7 +3184,7 @@
       </p:pic>
       <p:sp>
         <p:nvSpPr>
-          <p:cNvPr id="26" name="TextBox 25"/>
+          <p:cNvPr id="28" name="TextBox 27"/>
           <p:cNvSpPr txBox="1"/>
           <p:nvPr/>
         </p:nvSpPr>
@@ -3214,13 +3214,13 @@
       </p:sp>
       <p:sp>
         <p:nvSpPr>
-          <p:cNvPr id="27" name="TextBox 26"/>
+          <p:cNvPr id="29" name="TextBox 28"/>
           <p:cNvSpPr txBox="1"/>
           <p:nvPr/>
         </p:nvSpPr>
         <p:spPr>
           <a:xfrm>
-            <a:off x="4320651" y="556166"/>
+            <a:off x="-40875" y="4980751"/>
             <a:ext cx="564422" cy="477054"/>
           </a:xfrm>
           <a:prstGeom prst="rect">
